--- a/Postman.pptx
+++ b/Postman.pptx
@@ -14,11 +14,10 @@
     <p:sldId id="260" r:id="rId8"/>
     <p:sldId id="263" r:id="rId9"/>
     <p:sldId id="259" r:id="rId10"/>
-    <p:sldId id="265" r:id="rId11"/>
-    <p:sldId id="267" r:id="rId12"/>
-    <p:sldId id="277" r:id="rId13"/>
-    <p:sldId id="272" r:id="rId14"/>
-    <p:sldId id="257" r:id="rId15"/>
+    <p:sldId id="267" r:id="rId11"/>
+    <p:sldId id="277" r:id="rId12"/>
+    <p:sldId id="272" r:id="rId13"/>
+    <p:sldId id="257" r:id="rId14"/>
   </p:sldIdLst>
   <p:sldSz cx="12192000" cy="6858000"/>
   <p:notesSz cx="6858000" cy="9144000"/>
@@ -363,7 +362,7 @@
           <a:p>
             <a:fld id="{ED291B17-9318-49DB-B28B-6E5994AE9581}" type="datetime1">
               <a:rPr lang="en-US" smtClean="0"/>
-              <a:t>5/25/2021</a:t>
+              <a:t>5/26/2021</a:t>
             </a:fld>
             <a:endParaRPr lang="en-US" dirty="0"/>
           </a:p>
@@ -566,7 +565,7 @@
           <a:p>
             <a:fld id="{2CED4963-E985-44C4-B8C4-FDD613B7C2F8}" type="datetime1">
               <a:rPr lang="en-US" smtClean="0"/>
-              <a:t>5/25/2021</a:t>
+              <a:t>5/26/2021</a:t>
             </a:fld>
             <a:endParaRPr lang="en-US" dirty="0"/>
           </a:p>
@@ -928,7 +927,7 @@
           <a:p>
             <a:fld id="{ED291B17-9318-49DB-B28B-6E5994AE9581}" type="datetime1">
               <a:rPr lang="en-US" smtClean="0"/>
-              <a:t>5/25/2021</a:t>
+              <a:t>5/26/2021</a:t>
             </a:fld>
             <a:endParaRPr lang="en-US" dirty="0"/>
           </a:p>
@@ -1126,7 +1125,7 @@
           <a:p>
             <a:fld id="{78DD82B9-B8EE-4375-B6FF-88FA6ABB15D9}" type="datetime1">
               <a:rPr lang="en-US" smtClean="0"/>
-              <a:t>5/25/2021</a:t>
+              <a:t>5/26/2021</a:t>
             </a:fld>
             <a:endParaRPr lang="en-US" dirty="0"/>
           </a:p>
@@ -1438,7 +1437,7 @@
           <a:p>
             <a:fld id="{B2497495-0637-405E-AE64-5CC7506D51F5}" type="datetime1">
               <a:rPr lang="en-US" smtClean="0"/>
-              <a:t>5/25/2021</a:t>
+              <a:t>5/26/2021</a:t>
             </a:fld>
             <a:endParaRPr lang="en-US" dirty="0"/>
           </a:p>
@@ -1691,7 +1690,7 @@
           <a:p>
             <a:fld id="{7BFFD690-9426-415D-8B65-26881E07B2D4}" type="datetime1">
               <a:rPr lang="en-US" smtClean="0"/>
-              <a:t>5/25/2021</a:t>
+              <a:t>5/26/2021</a:t>
             </a:fld>
             <a:endParaRPr lang="en-US" dirty="0"/>
           </a:p>
@@ -2113,7 +2112,7 @@
           <a:p>
             <a:fld id="{04C4989A-474C-40DE-95B9-011C28B71673}" type="datetime1">
               <a:rPr lang="en-US" smtClean="0"/>
-              <a:t>5/25/2021</a:t>
+              <a:t>5/26/2021</a:t>
             </a:fld>
             <a:endParaRPr lang="en-US" dirty="0"/>
           </a:p>
@@ -2236,7 +2235,7 @@
           <a:p>
             <a:fld id="{5DB4ED54-5B5E-4A04-93D3-5772E3CE3818}" type="datetime1">
               <a:rPr lang="en-US" smtClean="0"/>
-              <a:t>5/25/2021</a:t>
+              <a:t>5/26/2021</a:t>
             </a:fld>
             <a:endParaRPr lang="en-US" dirty="0"/>
           </a:p>
@@ -2331,7 +2330,7 @@
           <a:p>
             <a:fld id="{4EDE50D6-574B-40AF-946F-D52A04ADE379}" type="datetime1">
               <a:rPr lang="en-US" smtClean="0"/>
-              <a:t>5/25/2021</a:t>
+              <a:t>5/26/2021</a:t>
             </a:fld>
             <a:endParaRPr lang="en-US" dirty="0"/>
           </a:p>
@@ -2708,7 +2707,7 @@
           <a:p>
             <a:fld id="{D82884F1-FFEA-405F-9602-3DCA865EDA4E}" type="datetime1">
               <a:rPr lang="en-US" smtClean="0"/>
-              <a:t>5/25/2021</a:t>
+              <a:t>5/26/2021</a:t>
             </a:fld>
             <a:endParaRPr lang="en-US" dirty="0"/>
           </a:p>
@@ -3001,7 +3000,7 @@
           <a:p>
             <a:fld id="{7E18DB4A-8810-4A10-AD5C-D5E2C667F5B3}" type="datetime1">
               <a:rPr lang="en-US" smtClean="0"/>
-              <a:t>5/25/2021</a:t>
+              <a:t>5/26/2021</a:t>
             </a:fld>
             <a:endParaRPr lang="en-US" dirty="0"/>
           </a:p>
@@ -3216,7 +3215,7 @@
           <a:p>
             <a:fld id="{ED291B17-9318-49DB-B28B-6E5994AE9581}" type="datetime1">
               <a:rPr lang="en-US" smtClean="0"/>
-              <a:t>5/25/2021</a:t>
+              <a:t>5/26/2021</a:t>
             </a:fld>
             <a:endParaRPr lang="en-US" dirty="0"/>
           </a:p>
@@ -4173,7 +4172,7 @@
           <p:cNvPr id="2" name="Titel 1">
             <a:extLst>
               <a:ext uri="{FF2B5EF4-FFF2-40B4-BE49-F238E27FC236}">
-                <a16:creationId xmlns:a16="http://schemas.microsoft.com/office/drawing/2014/main" id="{7C0184F5-8294-46F6-97B6-E7A628A4F6E7}"/>
+                <a16:creationId xmlns:a16="http://schemas.microsoft.com/office/drawing/2014/main" id="{39707DA5-E0BE-4E30-A210-AA8CA4BDD699}"/>
               </a:ext>
             </a:extLst>
           </p:cNvPr>
@@ -4190,153 +4189,65 @@
           <a:lstStyle/>
           <a:p>
             <a:r>
-              <a:rPr lang="de-DE" dirty="0" err="1"/>
-              <a:t>RESt</a:t>
-            </a:r>
-            <a:r>
               <a:rPr lang="de-DE" dirty="0"/>
-              <a:t> </a:t>
-            </a:r>
-            <a:r>
-              <a:rPr lang="de-DE" dirty="0" err="1"/>
-              <a:t>APi</a:t>
-            </a:r>
-            <a:endParaRPr lang="de-DE" dirty="0"/>
+              <a:t>REST API</a:t>
+            </a:r>
           </a:p>
         </p:txBody>
       </p:sp>
-      <p:sp>
-        <p:nvSpPr>
-          <p:cNvPr id="3" name="Inhaltsplatzhalter 2">
-            <a:extLst>
-              <a:ext uri="{FF2B5EF4-FFF2-40B4-BE49-F238E27FC236}">
-                <a16:creationId xmlns:a16="http://schemas.microsoft.com/office/drawing/2014/main" id="{D37A2954-201F-462C-80AD-28F5B63993A0}"/>
-              </a:ext>
-            </a:extLst>
-          </p:cNvPr>
-          <p:cNvSpPr>
-            <a:spLocks noGrp="1"/>
-          </p:cNvSpPr>
+      <p:pic>
+        <p:nvPicPr>
+          <p:cNvPr id="3074" name="Picture 2">
+            <a:extLst>
+              <a:ext uri="{FF2B5EF4-FFF2-40B4-BE49-F238E27FC236}">
+                <a16:creationId xmlns:a16="http://schemas.microsoft.com/office/drawing/2014/main" id="{331FD657-4DC5-4E82-B75F-958587708DA5}"/>
+              </a:ext>
+            </a:extLst>
+          </p:cNvPr>
+          <p:cNvPicPr>
+            <a:picLocks noGrp="1" noChangeAspect="1" noChangeArrowheads="1"/>
+          </p:cNvPicPr>
           <p:nvPr>
             <p:ph idx="1"/>
           </p:nvPr>
-        </p:nvSpPr>
-        <p:spPr/>
-        <p:txBody>
-          <a:bodyPr>
-            <a:normAutofit/>
-          </a:bodyPr>
-          <a:lstStyle/>
-          <a:p>
-            <a:r>
-              <a:rPr lang="de-DE" b="0" i="0" dirty="0">
-                <a:solidFill>
-                  <a:schemeClr val="tx1"/>
-                </a:solidFill>
-                <a:effectLst/>
-                <a:latin typeface="Open Sans" panose="020B0606030504020204" pitchFamily="34" charset="0"/>
-                <a:ea typeface="Open Sans" panose="020B0606030504020204" pitchFamily="34" charset="0"/>
-                <a:cs typeface="Open Sans" panose="020B0606030504020204" pitchFamily="34" charset="0"/>
-              </a:rPr>
-              <a:t>REST steht für „</a:t>
-            </a:r>
-            <a:r>
-              <a:rPr lang="de-DE" b="0" i="0" dirty="0" err="1">
-                <a:solidFill>
-                  <a:schemeClr val="tx1"/>
-                </a:solidFill>
-                <a:effectLst/>
-                <a:latin typeface="Open Sans" panose="020B0606030504020204" pitchFamily="34" charset="0"/>
-                <a:ea typeface="Open Sans" panose="020B0606030504020204" pitchFamily="34" charset="0"/>
-                <a:cs typeface="Open Sans" panose="020B0606030504020204" pitchFamily="34" charset="0"/>
-              </a:rPr>
-              <a:t>Representational</a:t>
-            </a:r>
-            <a:r>
-              <a:rPr lang="de-DE" b="0" i="0" dirty="0">
-                <a:solidFill>
-                  <a:schemeClr val="tx1"/>
-                </a:solidFill>
-                <a:effectLst/>
-                <a:latin typeface="Open Sans" panose="020B0606030504020204" pitchFamily="34" charset="0"/>
-                <a:ea typeface="Open Sans" panose="020B0606030504020204" pitchFamily="34" charset="0"/>
-                <a:cs typeface="Open Sans" panose="020B0606030504020204" pitchFamily="34" charset="0"/>
-              </a:rPr>
-              <a:t> State Transfer“.</a:t>
-            </a:r>
-          </a:p>
-          <a:p>
-            <a:r>
-              <a:rPr lang="de-DE" b="0" i="0" dirty="0">
-                <a:solidFill>
-                  <a:schemeClr val="tx1"/>
-                </a:solidFill>
-                <a:effectLst/>
-                <a:latin typeface="Open Sans" panose="020B0606030504020204" pitchFamily="34" charset="0"/>
-                <a:ea typeface="Open Sans" panose="020B0606030504020204" pitchFamily="34" charset="0"/>
-                <a:cs typeface="Open Sans" panose="020B0606030504020204" pitchFamily="34" charset="0"/>
-              </a:rPr>
-              <a:t>macht den Austausch von Informationen möglich, wenn diese sich auf unterschiedlichen Systemen befinden</a:t>
-            </a:r>
-          </a:p>
-          <a:p>
-            <a:r>
-              <a:rPr lang="de-DE" b="0" i="0" dirty="0">
-                <a:solidFill>
-                  <a:schemeClr val="tx1"/>
-                </a:solidFill>
-                <a:effectLst/>
-                <a:latin typeface="Open Sans" panose="020B0606030504020204" pitchFamily="34" charset="0"/>
-                <a:ea typeface="Open Sans" panose="020B0606030504020204" pitchFamily="34" charset="0"/>
-                <a:cs typeface="Open Sans" panose="020B0606030504020204" pitchFamily="34" charset="0"/>
-              </a:rPr>
-              <a:t>REST-API auch genannt Maschine-Maschine-Kommunikation</a:t>
-            </a:r>
-          </a:p>
-          <a:p>
-            <a:r>
-              <a:rPr lang="de-DE" b="0" i="0" dirty="0">
-                <a:solidFill>
-                  <a:schemeClr val="tx1"/>
-                </a:solidFill>
-                <a:effectLst/>
-                <a:latin typeface="Open Sans" panose="020B0606030504020204" pitchFamily="34" charset="0"/>
-                <a:ea typeface="Open Sans" panose="020B0606030504020204" pitchFamily="34" charset="0"/>
-                <a:cs typeface="Open Sans" panose="020B0606030504020204" pitchFamily="34" charset="0"/>
-              </a:rPr>
-              <a:t>Dank REST-API ist es möglich, Informationen und Aufgaben auf verschiedene Server zu verteilen und mit Hilfe eines HTTP-</a:t>
-            </a:r>
-            <a:r>
-              <a:rPr lang="de-DE" b="0" i="0" dirty="0" err="1">
-                <a:solidFill>
-                  <a:schemeClr val="tx1"/>
-                </a:solidFill>
-                <a:effectLst/>
-                <a:latin typeface="Open Sans" panose="020B0606030504020204" pitchFamily="34" charset="0"/>
-                <a:ea typeface="Open Sans" panose="020B0606030504020204" pitchFamily="34" charset="0"/>
-                <a:cs typeface="Open Sans" panose="020B0606030504020204" pitchFamily="34" charset="0"/>
-              </a:rPr>
-              <a:t>Requests</a:t>
-            </a:r>
-            <a:r>
-              <a:rPr lang="de-DE" b="0" i="0" dirty="0">
-                <a:solidFill>
-                  <a:schemeClr val="tx1"/>
-                </a:solidFill>
-                <a:effectLst/>
-                <a:latin typeface="Open Sans" panose="020B0606030504020204" pitchFamily="34" charset="0"/>
-                <a:ea typeface="Open Sans" panose="020B0606030504020204" pitchFamily="34" charset="0"/>
-                <a:cs typeface="Open Sans" panose="020B0606030504020204" pitchFamily="34" charset="0"/>
-              </a:rPr>
-              <a:t> anzufordern</a:t>
-            </a:r>
-          </a:p>
-        </p:txBody>
-      </p:sp>
+        </p:nvPicPr>
+        <p:blipFill>
+          <a:blip r:embed="rId2">
+            <a:extLst>
+              <a:ext uri="{28A0092B-C50C-407E-A947-70E740481C1C}">
+                <a14:useLocalDpi xmlns:a14="http://schemas.microsoft.com/office/drawing/2010/main" val="0"/>
+              </a:ext>
+            </a:extLst>
+          </a:blip>
+          <a:srcRect/>
+          <a:stretch>
+            <a:fillRect/>
+          </a:stretch>
+        </p:blipFill>
+        <p:spPr bwMode="auto">
+          <a:xfrm>
+            <a:off x="3691288" y="2341563"/>
+            <a:ext cx="4809424" cy="3633787"/>
+          </a:xfrm>
+          <a:prstGeom prst="rect">
+            <a:avLst/>
+          </a:prstGeom>
+          <a:noFill/>
+          <a:extLst>
+            <a:ext uri="{909E8E84-426E-40DD-AFC4-6F175D3DCCD1}">
+              <a14:hiddenFill xmlns:a14="http://schemas.microsoft.com/office/drawing/2010/main">
+                <a:solidFill>
+                  <a:srgbClr val="FFFFFF"/>
+                </a:solidFill>
+              </a14:hiddenFill>
+            </a:ext>
+          </a:extLst>
+        </p:spPr>
+      </p:pic>
     </p:spTree>
     <p:extLst>
       <p:ext uri="{BB962C8B-B14F-4D97-AF65-F5344CB8AC3E}">
-        <p14:creationId xmlns:p14="http://schemas.microsoft.com/office/powerpoint/2010/main" val="1393468481"/>
+        <p14:creationId xmlns:p14="http://schemas.microsoft.com/office/powerpoint/2010/main" val="3923266083"/>
       </p:ext>
     </p:extLst>
   </p:cSld>
@@ -4393,113 +4304,6 @@
       </p:sp>
       <p:pic>
         <p:nvPicPr>
-          <p:cNvPr id="3074" name="Picture 2">
-            <a:extLst>
-              <a:ext uri="{FF2B5EF4-FFF2-40B4-BE49-F238E27FC236}">
-                <a16:creationId xmlns:a16="http://schemas.microsoft.com/office/drawing/2014/main" id="{331FD657-4DC5-4E82-B75F-958587708DA5}"/>
-              </a:ext>
-            </a:extLst>
-          </p:cNvPr>
-          <p:cNvPicPr>
-            <a:picLocks noGrp="1" noChangeAspect="1" noChangeArrowheads="1"/>
-          </p:cNvPicPr>
-          <p:nvPr>
-            <p:ph idx="1"/>
-          </p:nvPr>
-        </p:nvPicPr>
-        <p:blipFill>
-          <a:blip r:embed="rId2">
-            <a:extLst>
-              <a:ext uri="{28A0092B-C50C-407E-A947-70E740481C1C}">
-                <a14:useLocalDpi xmlns:a14="http://schemas.microsoft.com/office/drawing/2010/main" val="0"/>
-              </a:ext>
-            </a:extLst>
-          </a:blip>
-          <a:srcRect/>
-          <a:stretch>
-            <a:fillRect/>
-          </a:stretch>
-        </p:blipFill>
-        <p:spPr bwMode="auto">
-          <a:xfrm>
-            <a:off x="3691288" y="2341563"/>
-            <a:ext cx="4809424" cy="3633787"/>
-          </a:xfrm>
-          <a:prstGeom prst="rect">
-            <a:avLst/>
-          </a:prstGeom>
-          <a:noFill/>
-          <a:extLst>
-            <a:ext uri="{909E8E84-426E-40DD-AFC4-6F175D3DCCD1}">
-              <a14:hiddenFill xmlns:a14="http://schemas.microsoft.com/office/drawing/2010/main">
-                <a:solidFill>
-                  <a:srgbClr val="FFFFFF"/>
-                </a:solidFill>
-              </a14:hiddenFill>
-            </a:ext>
-          </a:extLst>
-        </p:spPr>
-      </p:pic>
-    </p:spTree>
-    <p:extLst>
-      <p:ext uri="{BB962C8B-B14F-4D97-AF65-F5344CB8AC3E}">
-        <p14:creationId xmlns:p14="http://schemas.microsoft.com/office/powerpoint/2010/main" val="3923266083"/>
-      </p:ext>
-    </p:extLst>
-  </p:cSld>
-  <p:clrMapOvr>
-    <a:masterClrMapping/>
-  </p:clrMapOvr>
-</p:sld>
-</file>
-
-<file path=ppt/slides/slide12.xml><?xml version="1.0" encoding="utf-8"?>
-<p:sld xmlns:a="http://schemas.openxmlformats.org/drawingml/2006/main" xmlns:r="http://schemas.openxmlformats.org/officeDocument/2006/relationships" xmlns:p="http://schemas.openxmlformats.org/presentationml/2006/main">
-  <p:cSld>
-    <p:spTree>
-      <p:nvGrpSpPr>
-        <p:cNvPr id="1" name=""/>
-        <p:cNvGrpSpPr/>
-        <p:nvPr/>
-      </p:nvGrpSpPr>
-      <p:grpSpPr>
-        <a:xfrm>
-          <a:off x="0" y="0"/>
-          <a:ext cx="0" cy="0"/>
-          <a:chOff x="0" y="0"/>
-          <a:chExt cx="0" cy="0"/>
-        </a:xfrm>
-      </p:grpSpPr>
-      <p:sp>
-        <p:nvSpPr>
-          <p:cNvPr id="2" name="Titel 1">
-            <a:extLst>
-              <a:ext uri="{FF2B5EF4-FFF2-40B4-BE49-F238E27FC236}">
-                <a16:creationId xmlns:a16="http://schemas.microsoft.com/office/drawing/2014/main" id="{39707DA5-E0BE-4E30-A210-AA8CA4BDD699}"/>
-              </a:ext>
-            </a:extLst>
-          </p:cNvPr>
-          <p:cNvSpPr>
-            <a:spLocks noGrp="1"/>
-          </p:cNvSpPr>
-          <p:nvPr>
-            <p:ph type="title"/>
-          </p:nvPr>
-        </p:nvSpPr>
-        <p:spPr/>
-        <p:txBody>
-          <a:bodyPr/>
-          <a:lstStyle/>
-          <a:p>
-            <a:r>
-              <a:rPr lang="de-DE" dirty="0"/>
-              <a:t>REST API</a:t>
-            </a:r>
-          </a:p>
-        </p:txBody>
-      </p:sp>
-      <p:pic>
-        <p:nvPicPr>
           <p:cNvPr id="1028" name="Picture 4" descr="Request and response illustration">
             <a:extLst>
               <a:ext uri="{FF2B5EF4-FFF2-40B4-BE49-F238E27FC236}">
@@ -4560,7 +4364,7 @@
 </p:sld>
 </file>
 
-<file path=ppt/slides/slide13.xml><?xml version="1.0" encoding="utf-8"?>
+<file path=ppt/slides/slide12.xml><?xml version="1.0" encoding="utf-8"?>
 <p:sld xmlns:a="http://schemas.openxmlformats.org/drawingml/2006/main" xmlns:r="http://schemas.openxmlformats.org/officeDocument/2006/relationships" xmlns:p="http://schemas.openxmlformats.org/presentationml/2006/main">
   <p:cSld>
     <p:bg>
@@ -5241,7 +5045,7 @@
 </p:sld>
 </file>
 
-<file path=ppt/slides/slide14.xml><?xml version="1.0" encoding="utf-8"?>
+<file path=ppt/slides/slide13.xml><?xml version="1.0" encoding="utf-8"?>
 <p:sld xmlns:a="http://schemas.openxmlformats.org/drawingml/2006/main" xmlns:r="http://schemas.openxmlformats.org/officeDocument/2006/relationships" xmlns:p="http://schemas.openxmlformats.org/presentationml/2006/main">
   <p:cSld>
     <p:spTree>
@@ -5753,7 +5557,7 @@
                   <a:schemeClr val="tx1"/>
                 </a:solidFill>
               </a:rPr>
-              <a:t>Was ist API?</a:t>
+              <a:t>Rest API</a:t>
             </a:r>
           </a:p>
           <a:p>
@@ -8630,7 +8434,7 @@
           <a:p>
             <a:r>
               <a:rPr lang="de-DE" dirty="0"/>
-              <a:t>API</a:t>
+              <a:t>Rest API</a:t>
             </a:r>
           </a:p>
         </p:txBody>
@@ -8669,10 +8473,12 @@
                 <a:ea typeface="Open Sans" panose="020B0606030504020204" pitchFamily="34" charset="0"/>
                 <a:cs typeface="Open Sans" panose="020B0606030504020204" pitchFamily="34" charset="0"/>
               </a:rPr>
-              <a:t>Eine Programmierschnittstelle, kurz API genannt (</a:t>
-            </a:r>
-            <a:r>
-              <a:rPr lang="de-DE" i="0" dirty="0" err="1">
+              <a:t>Eine Programmierschnittstelle, kurz API genannt, ist ein Programmteil, der von einem Softwaresystem anderen Programmen zur Anbindung an das System zur Verfügung gestellt wird. </a:t>
+            </a:r>
+          </a:p>
+          <a:p>
+            <a:r>
+              <a:rPr lang="de-DE" b="0" i="0" dirty="0">
                 <a:solidFill>
                   <a:schemeClr val="tx1"/>
                 </a:solidFill>
@@ -8681,10 +8487,10 @@
                 <a:ea typeface="Open Sans" panose="020B0606030504020204" pitchFamily="34" charset="0"/>
                 <a:cs typeface="Open Sans" panose="020B0606030504020204" pitchFamily="34" charset="0"/>
               </a:rPr>
-              <a:t>Englinsch</a:t>
-            </a:r>
-            <a:r>
-              <a:rPr lang="de-DE" i="0" dirty="0">
+              <a:t>REST steht für „</a:t>
+            </a:r>
+            <a:r>
+              <a:rPr lang="de-DE" b="0" i="0" dirty="0" err="1">
                 <a:solidFill>
                   <a:schemeClr val="tx1"/>
                 </a:solidFill>
@@ -8693,10 +8499,10 @@
                 <a:ea typeface="Open Sans" panose="020B0606030504020204" pitchFamily="34" charset="0"/>
                 <a:cs typeface="Open Sans" panose="020B0606030504020204" pitchFamily="34" charset="0"/>
               </a:rPr>
-              <a:t>: „</a:t>
-            </a:r>
-            <a:r>
-              <a:rPr lang="de-DE" i="1" dirty="0" err="1">
+              <a:t>Representational</a:t>
+            </a:r>
+            <a:r>
+              <a:rPr lang="de-DE" b="0" i="0" dirty="0">
                 <a:solidFill>
                   <a:schemeClr val="tx1"/>
                 </a:solidFill>
@@ -8705,10 +8511,12 @@
                 <a:ea typeface="Open Sans" panose="020B0606030504020204" pitchFamily="34" charset="0"/>
                 <a:cs typeface="Open Sans" panose="020B0606030504020204" pitchFamily="34" charset="0"/>
               </a:rPr>
-              <a:t>application</a:t>
-            </a:r>
-            <a:r>
-              <a:rPr lang="de-DE" i="1" dirty="0">
+              <a:t> State Transfer“.</a:t>
+            </a:r>
+          </a:p>
+          <a:p>
+            <a:r>
+              <a:rPr lang="de-DE" b="0" i="0" dirty="0">
                 <a:solidFill>
                   <a:schemeClr val="tx1"/>
                 </a:solidFill>
@@ -8717,10 +8525,12 @@
                 <a:ea typeface="Open Sans" panose="020B0606030504020204" pitchFamily="34" charset="0"/>
                 <a:cs typeface="Open Sans" panose="020B0606030504020204" pitchFamily="34" charset="0"/>
               </a:rPr>
-              <a:t> </a:t>
-            </a:r>
-            <a:r>
-              <a:rPr lang="de-DE" i="1" dirty="0" err="1">
+              <a:t>macht den Austausch von Informationen möglich, wenn diese sich auf unterschiedlichen Systemen befinden</a:t>
+            </a:r>
+          </a:p>
+          <a:p>
+            <a:r>
+              <a:rPr lang="de-DE" b="0" i="0" dirty="0">
                 <a:solidFill>
                   <a:schemeClr val="tx1"/>
                 </a:solidFill>
@@ -8729,10 +8539,10 @@
                 <a:ea typeface="Open Sans" panose="020B0606030504020204" pitchFamily="34" charset="0"/>
                 <a:cs typeface="Open Sans" panose="020B0606030504020204" pitchFamily="34" charset="0"/>
               </a:rPr>
-              <a:t>programming</a:t>
-            </a:r>
-            <a:r>
-              <a:rPr lang="de-DE" i="1" dirty="0">
+              <a:t>Dank REST-API ist es möglich, Informationen und Aufgaben auf verschiedene Server zu verteilen und mit Hilfe eines HTTP-</a:t>
+            </a:r>
+            <a:r>
+              <a:rPr lang="de-DE" b="0" i="0" dirty="0" err="1">
                 <a:solidFill>
                   <a:schemeClr val="tx1"/>
                 </a:solidFill>
@@ -8741,10 +8551,10 @@
                 <a:ea typeface="Open Sans" panose="020B0606030504020204" pitchFamily="34" charset="0"/>
                 <a:cs typeface="Open Sans" panose="020B0606030504020204" pitchFamily="34" charset="0"/>
               </a:rPr>
-              <a:t> interface“</a:t>
-            </a:r>
-            <a:r>
-              <a:rPr lang="de-DE" i="0" dirty="0">
+              <a:t>Requests</a:t>
+            </a:r>
+            <a:r>
+              <a:rPr lang="de-DE" b="0" i="0" dirty="0">
                 <a:solidFill>
                   <a:schemeClr val="tx1"/>
                 </a:solidFill>
@@ -8753,133 +8563,8 @@
                 <a:ea typeface="Open Sans" panose="020B0606030504020204" pitchFamily="34" charset="0"/>
                 <a:cs typeface="Open Sans" panose="020B0606030504020204" pitchFamily="34" charset="0"/>
               </a:rPr>
-              <a:t>), ist ein Programmteil, der von einem Softwaresystem anderen Programmen zur Anbindung an das System zur Verfügung gestellt wird. </a:t>
-            </a:r>
-          </a:p>
-          <a:p>
-            <a:pPr algn="l"/>
-            <a:r>
-              <a:rPr lang="de-DE" i="0" dirty="0">
-                <a:solidFill>
-                  <a:schemeClr val="tx1"/>
-                </a:solidFill>
-                <a:effectLst/>
-                <a:latin typeface="Open Sans" panose="020B0606030504020204" pitchFamily="34" charset="0"/>
-                <a:ea typeface="Open Sans" panose="020B0606030504020204" pitchFamily="34" charset="0"/>
-                <a:cs typeface="Open Sans" panose="020B0606030504020204" pitchFamily="34" charset="0"/>
-              </a:rPr>
-              <a:t>Zugriffsmöglichkeiten:</a:t>
-            </a:r>
-          </a:p>
-          <a:p>
-            <a:pPr lvl="1"/>
-            <a:r>
-              <a:rPr lang="de-DE" dirty="0">
-                <a:solidFill>
-                  <a:schemeClr val="tx1"/>
-                </a:solidFill>
-                <a:latin typeface="Open Sans" panose="020B0606030504020204" pitchFamily="34" charset="0"/>
-                <a:ea typeface="Open Sans" panose="020B0606030504020204" pitchFamily="34" charset="0"/>
-                <a:cs typeface="Open Sans" panose="020B0606030504020204" pitchFamily="34" charset="0"/>
-              </a:rPr>
-              <a:t>A</a:t>
-            </a:r>
-            <a:r>
-              <a:rPr lang="de-DE" i="0" dirty="0">
-                <a:solidFill>
-                  <a:schemeClr val="tx1"/>
-                </a:solidFill>
-                <a:effectLst/>
-                <a:latin typeface="Open Sans" panose="020B0606030504020204" pitchFamily="34" charset="0"/>
-                <a:ea typeface="Open Sans" panose="020B0606030504020204" pitchFamily="34" charset="0"/>
-                <a:cs typeface="Open Sans" panose="020B0606030504020204" pitchFamily="34" charset="0"/>
-              </a:rPr>
-              <a:t>uf Datenbanken</a:t>
-            </a:r>
-          </a:p>
-          <a:p>
-            <a:pPr lvl="1"/>
-            <a:r>
-              <a:rPr lang="de-DE" dirty="0">
-                <a:solidFill>
-                  <a:schemeClr val="tx1"/>
-                </a:solidFill>
-                <a:latin typeface="Open Sans" panose="020B0606030504020204" pitchFamily="34" charset="0"/>
-                <a:ea typeface="Open Sans" panose="020B0606030504020204" pitchFamily="34" charset="0"/>
-                <a:cs typeface="Open Sans" panose="020B0606030504020204" pitchFamily="34" charset="0"/>
-              </a:rPr>
-              <a:t>Auf Hardware </a:t>
-            </a:r>
-            <a:r>
-              <a:rPr lang="de-DE" i="0" dirty="0">
-                <a:solidFill>
-                  <a:schemeClr val="tx1"/>
-                </a:solidFill>
-                <a:effectLst/>
-                <a:latin typeface="Open Sans" panose="020B0606030504020204" pitchFamily="34" charset="0"/>
-                <a:ea typeface="Open Sans" panose="020B0606030504020204" pitchFamily="34" charset="0"/>
-                <a:cs typeface="Open Sans" panose="020B0606030504020204" pitchFamily="34" charset="0"/>
-              </a:rPr>
-              <a:t>wie Festplatte oder Grafikkarte </a:t>
-            </a:r>
-          </a:p>
-          <a:p>
-            <a:pPr algn="l"/>
-            <a:r>
-              <a:rPr lang="de-DE" i="0">
-                <a:solidFill>
-                  <a:schemeClr val="tx1"/>
-                </a:solidFill>
-                <a:effectLst/>
-                <a:latin typeface="Open Sans" panose="020B0606030504020204" pitchFamily="34" charset="0"/>
-                <a:ea typeface="Open Sans" panose="020B0606030504020204" pitchFamily="34" charset="0"/>
-                <a:cs typeface="Open Sans" panose="020B0606030504020204" pitchFamily="34" charset="0"/>
-              </a:rPr>
-              <a:t>Heutzutage </a:t>
-            </a:r>
-            <a:r>
-              <a:rPr lang="de-DE" i="0" dirty="0">
-                <a:solidFill>
-                  <a:schemeClr val="tx1"/>
-                </a:solidFill>
-                <a:effectLst/>
-                <a:latin typeface="Open Sans" panose="020B0606030504020204" pitchFamily="34" charset="0"/>
-                <a:ea typeface="Open Sans" panose="020B0606030504020204" pitchFamily="34" charset="0"/>
-                <a:cs typeface="Open Sans" panose="020B0606030504020204" pitchFamily="34" charset="0"/>
-              </a:rPr>
-              <a:t>stellen auch viele Online Dienste Programmierschnittstellen zur Verfügung</a:t>
-            </a:r>
-            <a:r>
-              <a:rPr lang="de-DE" dirty="0">
-                <a:solidFill>
-                  <a:schemeClr val="tx1"/>
-                </a:solidFill>
-                <a:latin typeface="Open Sans" panose="020B0606030504020204" pitchFamily="34" charset="0"/>
-                <a:ea typeface="Open Sans" panose="020B0606030504020204" pitchFamily="34" charset="0"/>
-                <a:cs typeface="Open Sans" panose="020B0606030504020204" pitchFamily="34" charset="0"/>
-              </a:rPr>
-              <a:t>, </a:t>
-            </a:r>
-            <a:r>
-              <a:rPr lang="de-DE" i="0" dirty="0">
-                <a:solidFill>
-                  <a:schemeClr val="tx1"/>
-                </a:solidFill>
-                <a:effectLst/>
-                <a:latin typeface="Open Sans" panose="020B0606030504020204" pitchFamily="34" charset="0"/>
-                <a:ea typeface="Open Sans" panose="020B0606030504020204" pitchFamily="34" charset="0"/>
-                <a:cs typeface="Open Sans" panose="020B0606030504020204" pitchFamily="34" charset="0"/>
-              </a:rPr>
-              <a:t>diese heißen dann Webservice</a:t>
-            </a:r>
-            <a:endParaRPr lang="de-DE" dirty="0">
-              <a:solidFill>
-                <a:schemeClr val="tx1"/>
-              </a:solidFill>
-              <a:latin typeface="Open Sans" panose="020B0606030504020204" pitchFamily="34" charset="0"/>
-              <a:ea typeface="Open Sans" panose="020B0606030504020204" pitchFamily="34" charset="0"/>
-              <a:cs typeface="Open Sans" panose="020B0606030504020204" pitchFamily="34" charset="0"/>
-            </a:endParaRPr>
+              <a:t> anzufordern</a:t>
+            </a:r>
           </a:p>
         </p:txBody>
       </p:sp>
